--- a/poster.pptx
+++ b/poster.pptx
@@ -243,7 +243,7 @@
           <a:p>
             <a:fld id="{8BE3B255-439E-42E1-A60A-8F00BEBE2392}" type="datetimeFigureOut">
               <a:rPr kumimoji="1" lang="ja-JP" altLang="en-US" smtClean="0"/>
-              <a:t>2018/6/15</a:t>
+              <a:t>2018/6/16</a:t>
             </a:fld>
             <a:endParaRPr kumimoji="1" lang="ja-JP" altLang="en-US"/>
           </a:p>
@@ -445,7 +445,7 @@
           <a:p>
             <a:fld id="{8BE3B255-439E-42E1-A60A-8F00BEBE2392}" type="datetimeFigureOut">
               <a:rPr kumimoji="1" lang="ja-JP" altLang="en-US" smtClean="0"/>
-              <a:t>2018/6/15</a:t>
+              <a:t>2018/6/16</a:t>
             </a:fld>
             <a:endParaRPr kumimoji="1" lang="ja-JP" altLang="en-US"/>
           </a:p>
@@ -657,7 +657,7 @@
           <a:p>
             <a:fld id="{8BE3B255-439E-42E1-A60A-8F00BEBE2392}" type="datetimeFigureOut">
               <a:rPr kumimoji="1" lang="ja-JP" altLang="en-US" smtClean="0"/>
-              <a:t>2018/6/15</a:t>
+              <a:t>2018/6/16</a:t>
             </a:fld>
             <a:endParaRPr kumimoji="1" lang="ja-JP" altLang="en-US"/>
           </a:p>
@@ -859,7 +859,7 @@
           <a:p>
             <a:fld id="{8BE3B255-439E-42E1-A60A-8F00BEBE2392}" type="datetimeFigureOut">
               <a:rPr kumimoji="1" lang="ja-JP" altLang="en-US" smtClean="0"/>
-              <a:t>2018/6/15</a:t>
+              <a:t>2018/6/16</a:t>
             </a:fld>
             <a:endParaRPr kumimoji="1" lang="ja-JP" altLang="en-US"/>
           </a:p>
@@ -1103,7 +1103,7 @@
           <a:p>
             <a:fld id="{8BE3B255-439E-42E1-A60A-8F00BEBE2392}" type="datetimeFigureOut">
               <a:rPr kumimoji="1" lang="ja-JP" altLang="en-US" smtClean="0"/>
-              <a:t>2018/6/15</a:t>
+              <a:t>2018/6/16</a:t>
             </a:fld>
             <a:endParaRPr kumimoji="1" lang="ja-JP" altLang="en-US"/>
           </a:p>
@@ -1399,7 +1399,7 @@
           <a:p>
             <a:fld id="{8BE3B255-439E-42E1-A60A-8F00BEBE2392}" type="datetimeFigureOut">
               <a:rPr kumimoji="1" lang="ja-JP" altLang="en-US" smtClean="0"/>
-              <a:t>2018/6/15</a:t>
+              <a:t>2018/6/16</a:t>
             </a:fld>
             <a:endParaRPr kumimoji="1" lang="ja-JP" altLang="en-US"/>
           </a:p>
@@ -1830,7 +1830,7 @@
           <a:p>
             <a:fld id="{8BE3B255-439E-42E1-A60A-8F00BEBE2392}" type="datetimeFigureOut">
               <a:rPr kumimoji="1" lang="ja-JP" altLang="en-US" smtClean="0"/>
-              <a:t>2018/6/15</a:t>
+              <a:t>2018/6/16</a:t>
             </a:fld>
             <a:endParaRPr kumimoji="1" lang="ja-JP" altLang="en-US"/>
           </a:p>
@@ -1948,7 +1948,7 @@
           <a:p>
             <a:fld id="{8BE3B255-439E-42E1-A60A-8F00BEBE2392}" type="datetimeFigureOut">
               <a:rPr kumimoji="1" lang="ja-JP" altLang="en-US" smtClean="0"/>
-              <a:t>2018/6/15</a:t>
+              <a:t>2018/6/16</a:t>
             </a:fld>
             <a:endParaRPr kumimoji="1" lang="ja-JP" altLang="en-US"/>
           </a:p>
@@ -2043,7 +2043,7 @@
           <a:p>
             <a:fld id="{8BE3B255-439E-42E1-A60A-8F00BEBE2392}" type="datetimeFigureOut">
               <a:rPr kumimoji="1" lang="ja-JP" altLang="en-US" smtClean="0"/>
-              <a:t>2018/6/15</a:t>
+              <a:t>2018/6/16</a:t>
             </a:fld>
             <a:endParaRPr kumimoji="1" lang="ja-JP" altLang="en-US"/>
           </a:p>
@@ -2352,7 +2352,7 @@
           <a:p>
             <a:fld id="{8BE3B255-439E-42E1-A60A-8F00BEBE2392}" type="datetimeFigureOut">
               <a:rPr kumimoji="1" lang="ja-JP" altLang="en-US" smtClean="0"/>
-              <a:t>2018/6/15</a:t>
+              <a:t>2018/6/16</a:t>
             </a:fld>
             <a:endParaRPr kumimoji="1" lang="ja-JP" altLang="en-US"/>
           </a:p>
@@ -2609,7 +2609,7 @@
           <a:p>
             <a:fld id="{8BE3B255-439E-42E1-A60A-8F00BEBE2392}" type="datetimeFigureOut">
               <a:rPr kumimoji="1" lang="ja-JP" altLang="en-US" smtClean="0"/>
-              <a:t>2018/6/15</a:t>
+              <a:t>2018/6/16</a:t>
             </a:fld>
             <a:endParaRPr kumimoji="1" lang="ja-JP" altLang="en-US"/>
           </a:p>
@@ -2854,7 +2854,7 @@
           <a:p>
             <a:fld id="{8BE3B255-439E-42E1-A60A-8F00BEBE2392}" type="datetimeFigureOut">
               <a:rPr kumimoji="1" lang="ja-JP" altLang="en-US" smtClean="0"/>
-              <a:t>2018/6/15</a:t>
+              <a:t>2018/6/16</a:t>
             </a:fld>
             <a:endParaRPr kumimoji="1" lang="ja-JP" altLang="en-US"/>
           </a:p>
@@ -3344,40 +3344,19 @@
           <a:p>
             <a:r>
               <a:rPr kumimoji="1" lang="en-US" altLang="ja-JP" sz="8000" dirty="0"/>
-              <a:t>1</a:t>
-            </a:r>
-            <a:r>
-              <a:rPr kumimoji="1" lang="en-US" altLang="ja-JP" sz="8000" dirty="0" smtClean="0"/>
-              <a:t>. Abstract</a:t>
-            </a:r>
-            <a:endParaRPr kumimoji="1" lang="en-US" altLang="ja-JP" sz="8000" dirty="0"/>
+              <a:t>1. Abstract</a:t>
+            </a:r>
           </a:p>
           <a:p>
             <a:r>
               <a:rPr kumimoji="1" lang="en-US" altLang="ja-JP" sz="8000" dirty="0"/>
-              <a:t>In this study, a building which was destroyed by the Kumamoto </a:t>
-            </a:r>
-            <a:r>
-              <a:rPr kumimoji="1" lang="en-US" altLang="ja-JP" sz="8000" dirty="0" smtClean="0"/>
-              <a:t>	Earthquake </a:t>
-            </a:r>
+              <a:t>In this study, a building which was destroyed by the Kumamoto 	Earthquake was recreated from designs using 3Dmodels.  </a:t>
+            </a:r>
+          </a:p>
+          <a:p>
             <a:r>
               <a:rPr kumimoji="1" lang="en-US" altLang="ja-JP" sz="8000" dirty="0"/>
-              <a:t>was recreated from designs using 3Dmodels.  </a:t>
-            </a:r>
-          </a:p>
-          <a:p>
-            <a:r>
-              <a:rPr kumimoji="1" lang="en-US" altLang="ja-JP" sz="8000" dirty="0"/>
-              <a:t>There are plans to rebuild this building, so we made a 3D model to </a:t>
-            </a:r>
-            <a:r>
-              <a:rPr kumimoji="1" lang="en-US" altLang="ja-JP" sz="8000" dirty="0" smtClean="0"/>
-              <a:t>	keep </a:t>
-            </a:r>
-            <a:r>
-              <a:rPr kumimoji="1" lang="en-US" altLang="ja-JP" sz="8000" dirty="0"/>
-              <a:t>records.</a:t>
+              <a:t>There are plans to rebuild this building, so we made a 3D model to 	keep records.</a:t>
             </a:r>
           </a:p>
           <a:p>
@@ -3391,13 +3370,8 @@
             </a:r>
             <a:r>
               <a:rPr kumimoji="1" lang="en-US" altLang="ja-JP" sz="8000" dirty="0"/>
-              <a:t> to recreate the </a:t>
-            </a:r>
-            <a:r>
-              <a:rPr kumimoji="1" lang="en-US" altLang="ja-JP" sz="8000" dirty="0" smtClean="0"/>
-              <a:t>building.</a:t>
-            </a:r>
-            <a:endParaRPr kumimoji="1" lang="en-US" altLang="ja-JP" sz="8000" dirty="0"/>
+              <a:t> to recreate the building.</a:t>
+            </a:r>
           </a:p>
           <a:p>
             <a:r>
@@ -3474,21 +3448,8 @@
                   <a:schemeClr val="tx1"/>
                 </a:solidFill>
               </a:rPr>
-              <a:t>2</a:t>
-            </a:r>
-            <a:r>
-              <a:rPr kumimoji="1" lang="en-US" altLang="ja-JP" sz="6600" dirty="0" smtClean="0">
-                <a:solidFill>
-                  <a:schemeClr val="tx1"/>
-                </a:solidFill>
-              </a:rPr>
-              <a:t>. Purpose</a:t>
-            </a:r>
-            <a:endParaRPr kumimoji="1" lang="en-US" altLang="ja-JP" sz="6600" dirty="0">
-              <a:solidFill>
-                <a:schemeClr val="tx1"/>
-              </a:solidFill>
-            </a:endParaRPr>
+              <a:t>2. Purpose</a:t>
+            </a:r>
           </a:p>
           <a:p>
             <a:r>
@@ -3565,21 +3526,8 @@
                   <a:schemeClr val="tx1"/>
                 </a:solidFill>
               </a:rPr>
-              <a:t>3</a:t>
-            </a:r>
-            <a:r>
-              <a:rPr kumimoji="1" lang="en-US" altLang="ja-JP" sz="6600" dirty="0" smtClean="0">
-                <a:solidFill>
-                  <a:schemeClr val="tx1"/>
-                </a:solidFill>
-              </a:rPr>
-              <a:t>. Preparation</a:t>
-            </a:r>
-            <a:endParaRPr kumimoji="1" lang="en-US" altLang="ja-JP" sz="6600" dirty="0">
-              <a:solidFill>
-                <a:schemeClr val="tx1"/>
-              </a:solidFill>
-            </a:endParaRPr>
+              <a:t>3. Preparation</a:t>
+            </a:r>
           </a:p>
           <a:p>
             <a:r>
@@ -3591,7 +3539,7 @@
               <a:t>What to use…Design drawing of our </a:t>
             </a:r>
             <a:r>
-              <a:rPr kumimoji="1" lang="en-US" altLang="ja-JP" sz="6600" dirty="0" err="1" smtClean="0">
+              <a:rPr kumimoji="1" lang="en-US" altLang="ja-JP" sz="6600" dirty="0" err="1">
                 <a:solidFill>
                   <a:schemeClr val="tx1"/>
                 </a:solidFill>
@@ -3649,39 +3597,7 @@
                   <a:schemeClr val="tx1"/>
                 </a:solidFill>
               </a:rPr>
-              <a:t>One of 3D model creation </a:t>
-            </a:r>
-            <a:r>
-              <a:rPr kumimoji="1" lang="en-US" altLang="ja-JP" sz="6600" dirty="0" smtClean="0">
-                <a:solidFill>
-                  <a:schemeClr val="tx1"/>
-                </a:solidFill>
-              </a:rPr>
-              <a:t>software. It </a:t>
-            </a:r>
-            <a:r>
-              <a:rPr kumimoji="1" lang="en-US" altLang="ja-JP" sz="6600" dirty="0">
-                <a:solidFill>
-                  <a:schemeClr val="tx1"/>
-                </a:solidFill>
-              </a:rPr>
-              <a:t>is relatively easy to pull a straight line </a:t>
-            </a:r>
-            <a:r>
-              <a:rPr kumimoji="1" lang="en-US" altLang="ja-JP" sz="6600" dirty="0" smtClean="0">
-                <a:solidFill>
-                  <a:schemeClr val="tx1"/>
-                </a:solidFill>
-              </a:rPr>
-              <a:t>and </a:t>
-            </a:r>
-            <a:r>
-              <a:rPr kumimoji="1" lang="en-US" altLang="ja-JP" sz="6600" dirty="0">
-                <a:solidFill>
-                  <a:schemeClr val="tx1"/>
-                </a:solidFill>
-              </a:rPr>
-              <a:t>raise the plane to 3D.</a:t>
+              <a:t>One of 3D model creation software. It is relatively easy to pull a straight line and raise the plane to 3D.</a:t>
             </a:r>
           </a:p>
         </p:txBody>
@@ -4321,16 +4237,12 @@
           <a:p>
             <a:pPr algn="r"/>
             <a:r>
-              <a:rPr kumimoji="1" lang="en-US" altLang="ja-JP" sz="6600" dirty="0" err="1" smtClean="0"/>
+              <a:rPr kumimoji="1" lang="en-US" altLang="ja-JP" sz="6600" dirty="0" err="1"/>
               <a:t>Daini</a:t>
             </a:r>
             <a:r>
-              <a:rPr kumimoji="1" lang="en-US" altLang="ja-JP" sz="6600" dirty="0" smtClean="0"/>
-              <a:t> high school </a:t>
-            </a:r>
-            <a:r>
               <a:rPr kumimoji="1" lang="en-US" altLang="ja-JP" sz="6600" dirty="0"/>
-              <a:t>3-S Minami </a:t>
+              <a:t> high school 3-S </a:t>
             </a:r>
             <a:r>
               <a:rPr kumimoji="1" lang="en-US" altLang="ja-JP" sz="6600" dirty="0" err="1"/>
@@ -4338,19 +4250,19 @@
             </a:r>
             <a:r>
               <a:rPr kumimoji="1" lang="en-US" altLang="ja-JP" sz="6600" dirty="0"/>
-              <a:t>  </a:t>
+              <a:t> Minami  </a:t>
+            </a:r>
+            <a:r>
+              <a:rPr kumimoji="1" lang="en-US" altLang="ja-JP" sz="6600" dirty="0" err="1"/>
+              <a:t>Ryoto</a:t>
+            </a:r>
+            <a:r>
+              <a:rPr kumimoji="1" lang="en-US" altLang="ja-JP" sz="6600" dirty="0"/>
+              <a:t> </a:t>
             </a:r>
             <a:r>
               <a:rPr kumimoji="1" lang="en-US" altLang="ja-JP" sz="6600" dirty="0" err="1"/>
               <a:t>Oyamada</a:t>
-            </a:r>
-            <a:r>
-              <a:rPr kumimoji="1" lang="en-US" altLang="ja-JP" sz="6600" dirty="0"/>
-              <a:t> </a:t>
-            </a:r>
-            <a:r>
-              <a:rPr kumimoji="1" lang="en-US" altLang="ja-JP" sz="6600" dirty="0" err="1"/>
-              <a:t>Ryoto</a:t>
             </a:r>
             <a:endParaRPr kumimoji="1" lang="en-US" altLang="ja-JP" sz="6600" dirty="0"/>
           </a:p>
@@ -4396,13 +4308,6 @@
   <p:clrMapOvr>
     <a:masterClrMapping/>
   </p:clrMapOvr>
-  <p:timing>
-    <p:tnLst>
-      <p:par>
-        <p:cTn id="1" dur="indefinite" restart="never" nodeType="tmRoot"/>
-      </p:par>
-    </p:tnLst>
-  </p:timing>
 </p:sld>
 </file>
 

--- a/poster.pptx
+++ b/poster.pptx
@@ -243,7 +243,7 @@
           <a:p>
             <a:fld id="{8BE3B255-439E-42E1-A60A-8F00BEBE2392}" type="datetimeFigureOut">
               <a:rPr kumimoji="1" lang="ja-JP" altLang="en-US" smtClean="0"/>
-              <a:t>2018/6/16</a:t>
+              <a:t>2018/6/21</a:t>
             </a:fld>
             <a:endParaRPr kumimoji="1" lang="ja-JP" altLang="en-US"/>
           </a:p>
@@ -445,7 +445,7 @@
           <a:p>
             <a:fld id="{8BE3B255-439E-42E1-A60A-8F00BEBE2392}" type="datetimeFigureOut">
               <a:rPr kumimoji="1" lang="ja-JP" altLang="en-US" smtClean="0"/>
-              <a:t>2018/6/16</a:t>
+              <a:t>2018/6/21</a:t>
             </a:fld>
             <a:endParaRPr kumimoji="1" lang="ja-JP" altLang="en-US"/>
           </a:p>
@@ -657,7 +657,7 @@
           <a:p>
             <a:fld id="{8BE3B255-439E-42E1-A60A-8F00BEBE2392}" type="datetimeFigureOut">
               <a:rPr kumimoji="1" lang="ja-JP" altLang="en-US" smtClean="0"/>
-              <a:t>2018/6/16</a:t>
+              <a:t>2018/6/21</a:t>
             </a:fld>
             <a:endParaRPr kumimoji="1" lang="ja-JP" altLang="en-US"/>
           </a:p>
@@ -859,7 +859,7 @@
           <a:p>
             <a:fld id="{8BE3B255-439E-42E1-A60A-8F00BEBE2392}" type="datetimeFigureOut">
               <a:rPr kumimoji="1" lang="ja-JP" altLang="en-US" smtClean="0"/>
-              <a:t>2018/6/16</a:t>
+              <a:t>2018/6/21</a:t>
             </a:fld>
             <a:endParaRPr kumimoji="1" lang="ja-JP" altLang="en-US"/>
           </a:p>
@@ -1103,7 +1103,7 @@
           <a:p>
             <a:fld id="{8BE3B255-439E-42E1-A60A-8F00BEBE2392}" type="datetimeFigureOut">
               <a:rPr kumimoji="1" lang="ja-JP" altLang="en-US" smtClean="0"/>
-              <a:t>2018/6/16</a:t>
+              <a:t>2018/6/21</a:t>
             </a:fld>
             <a:endParaRPr kumimoji="1" lang="ja-JP" altLang="en-US"/>
           </a:p>
@@ -1399,7 +1399,7 @@
           <a:p>
             <a:fld id="{8BE3B255-439E-42E1-A60A-8F00BEBE2392}" type="datetimeFigureOut">
               <a:rPr kumimoji="1" lang="ja-JP" altLang="en-US" smtClean="0"/>
-              <a:t>2018/6/16</a:t>
+              <a:t>2018/6/21</a:t>
             </a:fld>
             <a:endParaRPr kumimoji="1" lang="ja-JP" altLang="en-US"/>
           </a:p>
@@ -1830,7 +1830,7 @@
           <a:p>
             <a:fld id="{8BE3B255-439E-42E1-A60A-8F00BEBE2392}" type="datetimeFigureOut">
               <a:rPr kumimoji="1" lang="ja-JP" altLang="en-US" smtClean="0"/>
-              <a:t>2018/6/16</a:t>
+              <a:t>2018/6/21</a:t>
             </a:fld>
             <a:endParaRPr kumimoji="1" lang="ja-JP" altLang="en-US"/>
           </a:p>
@@ -1948,7 +1948,7 @@
           <a:p>
             <a:fld id="{8BE3B255-439E-42E1-A60A-8F00BEBE2392}" type="datetimeFigureOut">
               <a:rPr kumimoji="1" lang="ja-JP" altLang="en-US" smtClean="0"/>
-              <a:t>2018/6/16</a:t>
+              <a:t>2018/6/21</a:t>
             </a:fld>
             <a:endParaRPr kumimoji="1" lang="ja-JP" altLang="en-US"/>
           </a:p>
@@ -2043,7 +2043,7 @@
           <a:p>
             <a:fld id="{8BE3B255-439E-42E1-A60A-8F00BEBE2392}" type="datetimeFigureOut">
               <a:rPr kumimoji="1" lang="ja-JP" altLang="en-US" smtClean="0"/>
-              <a:t>2018/6/16</a:t>
+              <a:t>2018/6/21</a:t>
             </a:fld>
             <a:endParaRPr kumimoji="1" lang="ja-JP" altLang="en-US"/>
           </a:p>
@@ -2352,7 +2352,7 @@
           <a:p>
             <a:fld id="{8BE3B255-439E-42E1-A60A-8F00BEBE2392}" type="datetimeFigureOut">
               <a:rPr kumimoji="1" lang="ja-JP" altLang="en-US" smtClean="0"/>
-              <a:t>2018/6/16</a:t>
+              <a:t>2018/6/21</a:t>
             </a:fld>
             <a:endParaRPr kumimoji="1" lang="ja-JP" altLang="en-US"/>
           </a:p>
@@ -2609,7 +2609,7 @@
           <a:p>
             <a:fld id="{8BE3B255-439E-42E1-A60A-8F00BEBE2392}" type="datetimeFigureOut">
               <a:rPr kumimoji="1" lang="ja-JP" altLang="en-US" smtClean="0"/>
-              <a:t>2018/6/16</a:t>
+              <a:t>2018/6/21</a:t>
             </a:fld>
             <a:endParaRPr kumimoji="1" lang="ja-JP" altLang="en-US"/>
           </a:p>
@@ -2854,7 +2854,7 @@
           <a:p>
             <a:fld id="{8BE3B255-439E-42E1-A60A-8F00BEBE2392}" type="datetimeFigureOut">
               <a:rPr kumimoji="1" lang="ja-JP" altLang="en-US" smtClean="0"/>
-              <a:t>2018/6/16</a:t>
+              <a:t>2018/6/21</a:t>
             </a:fld>
             <a:endParaRPr kumimoji="1" lang="ja-JP" altLang="en-US"/>
           </a:p>
@@ -3443,32 +3443,22 @@
           <a:lstStyle/>
           <a:p>
             <a:r>
+              <a:rPr kumimoji="1" lang="en-US" altLang="ja-JP" sz="8000" dirty="0">
+                <a:solidFill>
+                  <a:schemeClr val="tx1"/>
+                </a:solidFill>
+              </a:rPr>
+              <a:t>2. Purpose</a:t>
+            </a:r>
+          </a:p>
+          <a:p>
+            <a:r>
               <a:rPr kumimoji="1" lang="en-US" altLang="ja-JP" sz="6600" dirty="0">
                 <a:solidFill>
                   <a:schemeClr val="tx1"/>
                 </a:solidFill>
               </a:rPr>
-              <a:t>2. Purpose</a:t>
-            </a:r>
-          </a:p>
-          <a:p>
-            <a:r>
-              <a:rPr kumimoji="1" lang="en-US" altLang="ja-JP" sz="6600" dirty="0">
-                <a:solidFill>
-                  <a:schemeClr val="tx1"/>
-                </a:solidFill>
-              </a:rPr>
-              <a:t>We recreated a building which was destroy by </a:t>
-            </a:r>
-          </a:p>
-          <a:p>
-            <a:r>
-              <a:rPr kumimoji="1" lang="en-US" altLang="ja-JP" sz="6600" dirty="0">
-                <a:solidFill>
-                  <a:schemeClr val="tx1"/>
-                </a:solidFill>
-              </a:rPr>
-              <a:t>the Kumamoto Earthquake using 3Dmodels to keep records.</a:t>
+              <a:t>We recreated a building which was destroyed by the Kumamoto Earthquake using 3Dmodels to keep records.</a:t>
             </a:r>
           </a:p>
         </p:txBody>
@@ -3521,22 +3511,38 @@
           <a:lstStyle/>
           <a:p>
             <a:r>
+              <a:rPr kumimoji="1" lang="en-US" altLang="ja-JP" sz="8000" dirty="0">
+                <a:solidFill>
+                  <a:schemeClr val="tx1"/>
+                </a:solidFill>
+              </a:rPr>
+              <a:t>3. Preparation</a:t>
+            </a:r>
+          </a:p>
+          <a:p>
+            <a:r>
               <a:rPr kumimoji="1" lang="en-US" altLang="ja-JP" sz="6600" dirty="0">
                 <a:solidFill>
                   <a:schemeClr val="tx1"/>
                 </a:solidFill>
               </a:rPr>
-              <a:t>3. Preparation</a:t>
-            </a:r>
-          </a:p>
-          <a:p>
+              <a:t>Equipment </a:t>
+            </a:r>
+            <a:r>
+              <a:rPr kumimoji="1" lang="en-US" altLang="ja-JP" sz="6600" dirty="0" err="1">
+                <a:solidFill>
+                  <a:schemeClr val="tx1"/>
+                </a:solidFill>
+              </a:rPr>
+              <a:t>used:Daini</a:t>
+            </a:r>
             <a:r>
               <a:rPr kumimoji="1" lang="en-US" altLang="ja-JP" sz="6600" dirty="0">
                 <a:solidFill>
                   <a:schemeClr val="tx1"/>
                 </a:solidFill>
               </a:rPr>
-              <a:t>What to use…Design drawing of our </a:t>
+              <a:t> High School floor </a:t>
             </a:r>
             <a:r>
               <a:rPr kumimoji="1" lang="en-US" altLang="ja-JP" sz="6600" dirty="0" err="1">
@@ -3544,7 +3550,7 @@
                   <a:schemeClr val="tx1"/>
                 </a:solidFill>
               </a:rPr>
-              <a:t>school,ruler,SketchUp</a:t>
+              <a:t>plan,ruler,SketchUp</a:t>
             </a:r>
             <a:endParaRPr kumimoji="1" lang="en-US" altLang="ja-JP" sz="6600" dirty="0">
               <a:solidFill>
@@ -3597,7 +3603,7 @@
                   <a:schemeClr val="tx1"/>
                 </a:solidFill>
               </a:rPr>
-              <a:t>One of 3D model creation software. It is relatively easy to pull a straight line and raise the plane to 3D.</a:t>
+              <a:t>It is a 3D model creation software. It is relatively easy to pull a straight line and raise the plane to 3D.</a:t>
             </a:r>
           </a:p>
         </p:txBody>
@@ -3617,7 +3623,7 @@
         <p:spPr>
           <a:xfrm>
             <a:off x="1099374" y="31733678"/>
-            <a:ext cx="28076464" cy="4154984"/>
+            <a:ext cx="28076464" cy="4370427"/>
           </a:xfrm>
           <a:prstGeom prst="rect">
             <a:avLst/>
@@ -3636,14 +3642,14 @@
           <a:lstStyle/>
           <a:p>
             <a:r>
+              <a:rPr kumimoji="1" lang="en-US" altLang="ja-JP" sz="8000" dirty="0"/>
+              <a:t>4. Production</a:t>
+            </a:r>
+          </a:p>
+          <a:p>
+            <a:r>
               <a:rPr kumimoji="1" lang="en-US" altLang="ja-JP" sz="6600" dirty="0"/>
-              <a:t>4. Production</a:t>
-            </a:r>
-          </a:p>
-          <a:p>
-            <a:r>
-              <a:rPr kumimoji="1" lang="en-US" altLang="ja-JP" sz="6600" dirty="0"/>
-              <a:t>Create 3D model based on design drawing.</a:t>
+              <a:t>A 3D model based on the floor plan was created.</a:t>
             </a:r>
           </a:p>
           <a:p>
@@ -3663,8 +3669,8 @@
         </p:nvSpPr>
         <p:spPr>
           <a:xfrm>
-            <a:off x="1097755" y="36513391"/>
-            <a:ext cx="14039850" cy="4853596"/>
+            <a:off x="1097755" y="36337425"/>
+            <a:ext cx="14039850" cy="5541520"/>
           </a:xfrm>
           <a:prstGeom prst="rect">
             <a:avLst/>
@@ -3697,14 +3703,11 @@
           <a:lstStyle/>
           <a:p>
             <a:pPr algn="ctr"/>
-            <a:r>
-              <a:rPr kumimoji="1" lang="en-US" altLang="ja-JP" sz="6600" dirty="0">
-                <a:solidFill>
-                  <a:schemeClr val="tx1"/>
-                </a:solidFill>
-              </a:rPr>
-              <a:t>Works Cited</a:t>
-            </a:r>
+            <a:endParaRPr kumimoji="1" lang="en-US" altLang="ja-JP" sz="5400" dirty="0">
+              <a:solidFill>
+                <a:schemeClr val="tx1"/>
+              </a:solidFill>
+            </a:endParaRPr>
           </a:p>
           <a:p>
             <a:pPr algn="ctr"/>
@@ -3804,8 +3807,8 @@
         </p:nvSpPr>
         <p:spPr>
           <a:xfrm>
-            <a:off x="15579143" y="36513391"/>
-            <a:ext cx="13596694" cy="4853596"/>
+            <a:off x="15579143" y="36337425"/>
+            <a:ext cx="13596694" cy="5541520"/>
           </a:xfrm>
           <a:prstGeom prst="rect">
             <a:avLst/>
@@ -3839,35 +3842,37 @@
           <a:p>
             <a:pPr algn="ctr"/>
             <a:r>
+              <a:rPr kumimoji="1" lang="en-US" altLang="ja-JP" sz="8000" dirty="0">
+                <a:solidFill>
+                  <a:schemeClr val="tx1"/>
+                </a:solidFill>
+              </a:rPr>
+              <a:t>Acknowledgments</a:t>
+            </a:r>
+          </a:p>
+          <a:p>
+            <a:pPr algn="ctr"/>
+            <a:r>
               <a:rPr kumimoji="1" lang="en-US" altLang="ja-JP" sz="6600" dirty="0">
                 <a:solidFill>
                   <a:schemeClr val="tx1"/>
                 </a:solidFill>
               </a:rPr>
-              <a:t>Acknowledgments</a:t>
-            </a:r>
-          </a:p>
-          <a:p>
-            <a:pPr algn="ctr"/>
-            <a:r>
-              <a:rPr kumimoji="1" lang="en-US" altLang="ja-JP" sz="6600" dirty="0">
+              <a:t>Thank you very much to “</a:t>
+            </a:r>
+            <a:r>
+              <a:rPr kumimoji="1" lang="en-US" altLang="ja-JP" sz="6600" dirty="0" err="1">
                 <a:solidFill>
                   <a:schemeClr val="tx1"/>
                 </a:solidFill>
               </a:rPr>
-              <a:t>Thank you very much for teachers</a:t>
-            </a:r>
-          </a:p>
-          <a:p>
-            <a:pPr algn="ctr"/>
-            <a:r>
-              <a:rPr kumimoji="1" lang="en-US" altLang="ja-JP" sz="6600" dirty="0">
-                <a:solidFill>
-                  <a:schemeClr val="tx1"/>
-                </a:solidFill>
-              </a:rPr>
-              <a:t> who instructed me ,and</a:t>
-            </a:r>
+              <a:t>Mr.Shinokura”and</a:t>
+            </a:r>
+            <a:endParaRPr kumimoji="1" lang="en-US" altLang="ja-JP" sz="6600" dirty="0">
+              <a:solidFill>
+                <a:schemeClr val="tx1"/>
+              </a:solidFill>
+            </a:endParaRPr>
           </a:p>
           <a:p>
             <a:pPr algn="ctr"/>
@@ -3893,13 +3898,24 @@
                   <a:schemeClr val="tx1"/>
                 </a:solidFill>
               </a:rPr>
-              <a:t>”</a:t>
-            </a:r>
-            <a:endParaRPr kumimoji="1" lang="ja-JP" altLang="en-US" sz="6600" dirty="0">
-              <a:solidFill>
-                <a:schemeClr val="tx1"/>
-              </a:solidFill>
-            </a:endParaRPr>
+              <a:t>”for</a:t>
+            </a:r>
+            <a:r>
+              <a:rPr kumimoji="1" lang="ja-JP" altLang="en-US" sz="6600" dirty="0">
+                <a:solidFill>
+                  <a:schemeClr val="tx1"/>
+                </a:solidFill>
+              </a:rPr>
+              <a:t> </a:t>
+            </a:r>
+            <a:r>
+              <a:rPr kumimoji="1" lang="en-US" altLang="ja-JP" sz="6600" dirty="0">
+                <a:solidFill>
+                  <a:schemeClr val="tx1"/>
+                </a:solidFill>
+              </a:rPr>
+              <a:t>their advice and support</a:t>
+            </a:r>
           </a:p>
         </p:txBody>
       </p:sp>
@@ -3917,7 +3933,7 @@
         </p:nvGrpSpPr>
         <p:grpSpPr>
           <a:xfrm>
-            <a:off x="16430975" y="23451671"/>
+            <a:off x="16430975" y="23398960"/>
             <a:ext cx="11890198" cy="7792937"/>
             <a:chOff x="949442" y="12351033"/>
             <a:chExt cx="28751342" cy="19754461"/>
@@ -4114,7 +4130,7 @@
         <p:spPr>
           <a:xfrm>
             <a:off x="18149227" y="22121688"/>
-            <a:ext cx="8456289" cy="2554545"/>
+            <a:ext cx="8969250" cy="2554545"/>
           </a:xfrm>
           <a:prstGeom prst="rect">
             <a:avLst/>
@@ -4129,17 +4145,72 @@
           <a:p>
             <a:r>
               <a:rPr kumimoji="1" lang="en-US" altLang="ja-JP" sz="8000" dirty="0"/>
-              <a:t>Example of creation</a:t>
+              <a:t>Example of Creations</a:t>
             </a:r>
           </a:p>
           <a:p>
             <a:endParaRPr kumimoji="1" lang="ja-JP" altLang="en-US" sz="8000" dirty="0"/>
+          </a:p>
+        </p:txBody>
+      </p:sp>
+      <p:sp>
+        <p:nvSpPr>
+          <p:cNvPr id="19" name="テキスト ボックス 18"/>
+          <p:cNvSpPr txBox="1"/>
+          <p:nvPr/>
+        </p:nvSpPr>
+        <p:spPr>
+          <a:xfrm>
+            <a:off x="9787702" y="6249198"/>
+            <a:ext cx="19628451" cy="1107996"/>
+          </a:xfrm>
+          <a:prstGeom prst="rect">
+            <a:avLst/>
+          </a:prstGeom>
+          <a:noFill/>
+        </p:spPr>
+        <p:txBody>
+          <a:bodyPr wrap="none" rtlCol="0">
+            <a:spAutoFit/>
+          </a:bodyPr>
+          <a:lstStyle/>
+          <a:p>
+            <a:pPr algn="r"/>
+            <a:r>
+              <a:rPr kumimoji="1" lang="en-US" altLang="ja-JP" sz="6600" dirty="0" err="1"/>
+              <a:t>Daini</a:t>
+            </a:r>
+            <a:r>
+              <a:rPr kumimoji="1" lang="en-US" altLang="ja-JP" sz="6600" dirty="0"/>
+              <a:t> High School 3-S </a:t>
+            </a:r>
+            <a:r>
+              <a:rPr kumimoji="1" lang="en-US" altLang="ja-JP" sz="6600" dirty="0" err="1"/>
+              <a:t>Ryoga</a:t>
+            </a:r>
+            <a:r>
+              <a:rPr kumimoji="1" lang="en-US" altLang="ja-JP" sz="6600" dirty="0"/>
+              <a:t> Minami and </a:t>
+            </a:r>
+            <a:r>
+              <a:rPr kumimoji="1" lang="en-US" altLang="ja-JP" sz="6600" dirty="0" err="1"/>
+              <a:t>Ryoto</a:t>
+            </a:r>
+            <a:r>
+              <a:rPr kumimoji="1" lang="en-US" altLang="ja-JP" sz="6600" dirty="0"/>
+              <a:t> </a:t>
+            </a:r>
+            <a:r>
+              <a:rPr kumimoji="1" lang="en-US" altLang="ja-JP" sz="6600" dirty="0" err="1"/>
+              <a:t>Oyamada</a:t>
+            </a:r>
+            <a:endParaRPr kumimoji="1" lang="en-US" altLang="ja-JP" sz="6600" dirty="0"/>
           </a:p>
         </p:txBody>
       </p:sp>
       <p:pic>
         <p:nvPicPr>
-          <p:cNvPr id="5" name="図 4"/>
+          <p:cNvPr id="20" name="図 19"/>
           <p:cNvPicPr>
             <a:picLocks noChangeAspect="1"/>
           </p:cNvPicPr>
@@ -4159,8 +4230,81 @@
         </p:blipFill>
         <p:spPr>
           <a:xfrm>
-            <a:off x="1061911" y="647270"/>
-            <a:ext cx="28113926" cy="4361241"/>
+            <a:off x="23785251" y="13680796"/>
+            <a:ext cx="4078233" cy="4078233"/>
+          </a:xfrm>
+          <a:prstGeom prst="rect">
+            <a:avLst/>
+          </a:prstGeom>
+        </p:spPr>
+      </p:pic>
+      <p:sp>
+        <p:nvSpPr>
+          <p:cNvPr id="3" name="テキスト ボックス 2">
+            <a:extLst>
+              <a:ext uri="{FF2B5EF4-FFF2-40B4-BE49-F238E27FC236}">
+                <a16:creationId xmlns:a16="http://schemas.microsoft.com/office/drawing/2014/main" id="{072487A0-0767-42A2-B4C4-F402A37AC14B}"/>
+              </a:ext>
+            </a:extLst>
+          </p:cNvPr>
+          <p:cNvSpPr txBox="1"/>
+          <p:nvPr/>
+        </p:nvSpPr>
+        <p:spPr>
+          <a:xfrm>
+            <a:off x="5478943" y="36554565"/>
+            <a:ext cx="5205785" cy="1600438"/>
+          </a:xfrm>
+          <a:prstGeom prst="rect">
+            <a:avLst/>
+          </a:prstGeom>
+          <a:noFill/>
+        </p:spPr>
+        <p:txBody>
+          <a:bodyPr wrap="none" rtlCol="0">
+            <a:spAutoFit/>
+          </a:bodyPr>
+          <a:lstStyle/>
+          <a:p>
+            <a:pPr lvl="0" algn="ctr"/>
+            <a:r>
+              <a:rPr kumimoji="1" lang="en-US" altLang="ja-JP" sz="8000" dirty="0">
+                <a:solidFill>
+                  <a:prstClr val="black"/>
+                </a:solidFill>
+              </a:rPr>
+              <a:t>Works Cited</a:t>
+            </a:r>
+          </a:p>
+          <a:p>
+            <a:endParaRPr kumimoji="1" lang="ja-JP" altLang="en-US" dirty="0"/>
+          </a:p>
+        </p:txBody>
+      </p:sp>
+      <p:pic>
+        <p:nvPicPr>
+          <p:cNvPr id="11" name="図 10">
+            <a:extLst>
+              <a:ext uri="{FF2B5EF4-FFF2-40B4-BE49-F238E27FC236}">
+                <a16:creationId xmlns:a16="http://schemas.microsoft.com/office/drawing/2014/main" id="{507E761B-24FD-4C7C-BC1D-61B838424ED4}"/>
+              </a:ext>
+            </a:extLst>
+          </p:cNvPr>
+          <p:cNvPicPr>
+            <a:picLocks noChangeAspect="1"/>
+          </p:cNvPicPr>
+          <p:nvPr/>
+        </p:nvPicPr>
+        <p:blipFill>
+          <a:blip r:embed="rId6"/>
+          <a:stretch>
+            <a:fillRect/>
+          </a:stretch>
+        </p:blipFill>
+        <p:spPr>
+          <a:xfrm>
+            <a:off x="1097755" y="657281"/>
+            <a:ext cx="28318398" cy="4799689"/>
           </a:xfrm>
           <a:prstGeom prst="rect">
             <a:avLst/>
@@ -4213,91 +4357,6 @@
           </a:p>
         </p:txBody>
       </p:sp>
-      <p:sp>
-        <p:nvSpPr>
-          <p:cNvPr id="19" name="テキスト ボックス 18"/>
-          <p:cNvSpPr txBox="1"/>
-          <p:nvPr/>
-        </p:nvSpPr>
-        <p:spPr>
-          <a:xfrm>
-            <a:off x="11222390" y="6249198"/>
-            <a:ext cx="18193763" cy="1107996"/>
-          </a:xfrm>
-          <a:prstGeom prst="rect">
-            <a:avLst/>
-          </a:prstGeom>
-          <a:noFill/>
-        </p:spPr>
-        <p:txBody>
-          <a:bodyPr wrap="none" rtlCol="0">
-            <a:spAutoFit/>
-          </a:bodyPr>
-          <a:lstStyle/>
-          <a:p>
-            <a:pPr algn="r"/>
-            <a:r>
-              <a:rPr kumimoji="1" lang="en-US" altLang="ja-JP" sz="6600" dirty="0" err="1"/>
-              <a:t>Daini</a:t>
-            </a:r>
-            <a:r>
-              <a:rPr kumimoji="1" lang="en-US" altLang="ja-JP" sz="6600" dirty="0"/>
-              <a:t> high school 3-S </a:t>
-            </a:r>
-            <a:r>
-              <a:rPr kumimoji="1" lang="en-US" altLang="ja-JP" sz="6600" dirty="0" err="1"/>
-              <a:t>Ryoga</a:t>
-            </a:r>
-            <a:r>
-              <a:rPr kumimoji="1" lang="en-US" altLang="ja-JP" sz="6600" dirty="0"/>
-              <a:t> Minami  </a:t>
-            </a:r>
-            <a:r>
-              <a:rPr kumimoji="1" lang="en-US" altLang="ja-JP" sz="6600" dirty="0" err="1"/>
-              <a:t>Ryoto</a:t>
-            </a:r>
-            <a:r>
-              <a:rPr kumimoji="1" lang="en-US" altLang="ja-JP" sz="6600" dirty="0"/>
-              <a:t> </a:t>
-            </a:r>
-            <a:r>
-              <a:rPr kumimoji="1" lang="en-US" altLang="ja-JP" sz="6600" dirty="0" err="1"/>
-              <a:t>Oyamada</a:t>
-            </a:r>
-            <a:endParaRPr kumimoji="1" lang="en-US" altLang="ja-JP" sz="6600" dirty="0"/>
-          </a:p>
-        </p:txBody>
-      </p:sp>
-      <p:pic>
-        <p:nvPicPr>
-          <p:cNvPr id="20" name="図 19"/>
-          <p:cNvPicPr>
-            <a:picLocks noChangeAspect="1"/>
-          </p:cNvPicPr>
-          <p:nvPr/>
-        </p:nvPicPr>
-        <p:blipFill>
-          <a:blip r:embed="rId6">
-            <a:extLst>
-              <a:ext uri="{28A0092B-C50C-407E-A947-70E740481C1C}">
-                <a14:useLocalDpi xmlns:a14="http://schemas.microsoft.com/office/drawing/2010/main" val="0"/>
-              </a:ext>
-            </a:extLst>
-          </a:blip>
-          <a:stretch>
-            <a:fillRect/>
-          </a:stretch>
-        </p:blipFill>
-        <p:spPr>
-          <a:xfrm>
-            <a:off x="23785251" y="13680796"/>
-            <a:ext cx="4078233" cy="4078233"/>
-          </a:xfrm>
-          <a:prstGeom prst="rect">
-            <a:avLst/>
-          </a:prstGeom>
-        </p:spPr>
-      </p:pic>
     </p:spTree>
     <p:extLst>
       <p:ext uri="{BB962C8B-B14F-4D97-AF65-F5344CB8AC3E}">

--- a/poster.pptx
+++ b/poster.pptx
@@ -8,7 +8,7 @@
     <p:sldId id="258" r:id="rId2"/>
   </p:sldIdLst>
   <p:sldSz cx="30275213" cy="42803763"/>
-  <p:notesSz cx="6858000" cy="9144000"/>
+  <p:notesSz cx="6807200" cy="9939338"/>
   <p:defaultTextStyle>
     <a:defPPr>
       <a:defRPr lang="en-US"/>
@@ -243,7 +243,7 @@
           <a:p>
             <a:fld id="{8BE3B255-439E-42E1-A60A-8F00BEBE2392}" type="datetimeFigureOut">
               <a:rPr kumimoji="1" lang="ja-JP" altLang="en-US" smtClean="0"/>
-              <a:t>2018/6/21</a:t>
+              <a:t>2018/6/29</a:t>
             </a:fld>
             <a:endParaRPr kumimoji="1" lang="ja-JP" altLang="en-US"/>
           </a:p>
@@ -445,7 +445,7 @@
           <a:p>
             <a:fld id="{8BE3B255-439E-42E1-A60A-8F00BEBE2392}" type="datetimeFigureOut">
               <a:rPr kumimoji="1" lang="ja-JP" altLang="en-US" smtClean="0"/>
-              <a:t>2018/6/21</a:t>
+              <a:t>2018/6/29</a:t>
             </a:fld>
             <a:endParaRPr kumimoji="1" lang="ja-JP" altLang="en-US"/>
           </a:p>
@@ -657,7 +657,7 @@
           <a:p>
             <a:fld id="{8BE3B255-439E-42E1-A60A-8F00BEBE2392}" type="datetimeFigureOut">
               <a:rPr kumimoji="1" lang="ja-JP" altLang="en-US" smtClean="0"/>
-              <a:t>2018/6/21</a:t>
+              <a:t>2018/6/29</a:t>
             </a:fld>
             <a:endParaRPr kumimoji="1" lang="ja-JP" altLang="en-US"/>
           </a:p>
@@ -859,7 +859,7 @@
           <a:p>
             <a:fld id="{8BE3B255-439E-42E1-A60A-8F00BEBE2392}" type="datetimeFigureOut">
               <a:rPr kumimoji="1" lang="ja-JP" altLang="en-US" smtClean="0"/>
-              <a:t>2018/6/21</a:t>
+              <a:t>2018/6/29</a:t>
             </a:fld>
             <a:endParaRPr kumimoji="1" lang="ja-JP" altLang="en-US"/>
           </a:p>
@@ -1103,7 +1103,7 @@
           <a:p>
             <a:fld id="{8BE3B255-439E-42E1-A60A-8F00BEBE2392}" type="datetimeFigureOut">
               <a:rPr kumimoji="1" lang="ja-JP" altLang="en-US" smtClean="0"/>
-              <a:t>2018/6/21</a:t>
+              <a:t>2018/6/29</a:t>
             </a:fld>
             <a:endParaRPr kumimoji="1" lang="ja-JP" altLang="en-US"/>
           </a:p>
@@ -1399,7 +1399,7 @@
           <a:p>
             <a:fld id="{8BE3B255-439E-42E1-A60A-8F00BEBE2392}" type="datetimeFigureOut">
               <a:rPr kumimoji="1" lang="ja-JP" altLang="en-US" smtClean="0"/>
-              <a:t>2018/6/21</a:t>
+              <a:t>2018/6/29</a:t>
             </a:fld>
             <a:endParaRPr kumimoji="1" lang="ja-JP" altLang="en-US"/>
           </a:p>
@@ -1830,7 +1830,7 @@
           <a:p>
             <a:fld id="{8BE3B255-439E-42E1-A60A-8F00BEBE2392}" type="datetimeFigureOut">
               <a:rPr kumimoji="1" lang="ja-JP" altLang="en-US" smtClean="0"/>
-              <a:t>2018/6/21</a:t>
+              <a:t>2018/6/29</a:t>
             </a:fld>
             <a:endParaRPr kumimoji="1" lang="ja-JP" altLang="en-US"/>
           </a:p>
@@ -1948,7 +1948,7 @@
           <a:p>
             <a:fld id="{8BE3B255-439E-42E1-A60A-8F00BEBE2392}" type="datetimeFigureOut">
               <a:rPr kumimoji="1" lang="ja-JP" altLang="en-US" smtClean="0"/>
-              <a:t>2018/6/21</a:t>
+              <a:t>2018/6/29</a:t>
             </a:fld>
             <a:endParaRPr kumimoji="1" lang="ja-JP" altLang="en-US"/>
           </a:p>
@@ -2043,7 +2043,7 @@
           <a:p>
             <a:fld id="{8BE3B255-439E-42E1-A60A-8F00BEBE2392}" type="datetimeFigureOut">
               <a:rPr kumimoji="1" lang="ja-JP" altLang="en-US" smtClean="0"/>
-              <a:t>2018/6/21</a:t>
+              <a:t>2018/6/29</a:t>
             </a:fld>
             <a:endParaRPr kumimoji="1" lang="ja-JP" altLang="en-US"/>
           </a:p>
@@ -2352,7 +2352,7 @@
           <a:p>
             <a:fld id="{8BE3B255-439E-42E1-A60A-8F00BEBE2392}" type="datetimeFigureOut">
               <a:rPr kumimoji="1" lang="ja-JP" altLang="en-US" smtClean="0"/>
-              <a:t>2018/6/21</a:t>
+              <a:t>2018/6/29</a:t>
             </a:fld>
             <a:endParaRPr kumimoji="1" lang="ja-JP" altLang="en-US"/>
           </a:p>
@@ -2609,7 +2609,7 @@
           <a:p>
             <a:fld id="{8BE3B255-439E-42E1-A60A-8F00BEBE2392}" type="datetimeFigureOut">
               <a:rPr kumimoji="1" lang="ja-JP" altLang="en-US" smtClean="0"/>
-              <a:t>2018/6/21</a:t>
+              <a:t>2018/6/29</a:t>
             </a:fld>
             <a:endParaRPr kumimoji="1" lang="ja-JP" altLang="en-US"/>
           </a:p>
@@ -2854,7 +2854,7 @@
           <a:p>
             <a:fld id="{8BE3B255-439E-42E1-A60A-8F00BEBE2392}" type="datetimeFigureOut">
               <a:rPr kumimoji="1" lang="ja-JP" altLang="en-US" smtClean="0"/>
-              <a:t>2018/6/21</a:t>
+              <a:t>2018/6/29</a:t>
             </a:fld>
             <a:endParaRPr kumimoji="1" lang="ja-JP" altLang="en-US"/>
           </a:p>
@@ -3259,6 +3259,66 @@
           <a:chExt cx="0" cy="0"/>
         </a:xfrm>
       </p:grpSpPr>
+      <p:pic>
+        <p:nvPicPr>
+          <p:cNvPr id="11" name="図 10">
+            <a:extLst>
+              <a:ext uri="{FF2B5EF4-FFF2-40B4-BE49-F238E27FC236}">
+                <a16:creationId xmlns:a16="http://schemas.microsoft.com/office/drawing/2014/main" id="{507E761B-24FD-4C7C-BC1D-61B838424ED4}"/>
+              </a:ext>
+            </a:extLst>
+          </p:cNvPr>
+          <p:cNvPicPr>
+            <a:picLocks noChangeAspect="1"/>
+          </p:cNvPicPr>
+          <p:nvPr/>
+        </p:nvPicPr>
+        <p:blipFill>
+          <a:blip r:embed="rId2"/>
+          <a:stretch>
+            <a:fillRect/>
+          </a:stretch>
+        </p:blipFill>
+        <p:spPr>
+          <a:xfrm>
+            <a:off x="1097755" y="657281"/>
+            <a:ext cx="28318398" cy="4799689"/>
+          </a:xfrm>
+          <a:prstGeom prst="rect">
+            <a:avLst/>
+          </a:prstGeom>
+        </p:spPr>
+      </p:pic>
+      <p:pic>
+        <p:nvPicPr>
+          <p:cNvPr id="7" name="図 6"/>
+          <p:cNvPicPr>
+            <a:picLocks noChangeAspect="1"/>
+          </p:cNvPicPr>
+          <p:nvPr/>
+        </p:nvPicPr>
+        <p:blipFill>
+          <a:blip r:embed="rId3">
+            <a:extLst>
+              <a:ext uri="{28A0092B-C50C-407E-A947-70E740481C1C}">
+                <a14:useLocalDpi xmlns:a14="http://schemas.microsoft.com/office/drawing/2010/main" val="0"/>
+              </a:ext>
+            </a:extLst>
+          </a:blip>
+          <a:stretch>
+            <a:fillRect/>
+          </a:stretch>
+        </p:blipFill>
+        <p:spPr>
+          <a:xfrm>
+            <a:off x="1061910" y="584240"/>
+            <a:ext cx="28113927" cy="4779846"/>
+          </a:xfrm>
+          <a:prstGeom prst="rect">
+            <a:avLst/>
+          </a:prstGeom>
+        </p:spPr>
+      </p:pic>
       <p:sp>
         <p:nvSpPr>
           <p:cNvPr id="25" name="正方形/長方形 24">
@@ -3323,8 +3383,8 @@
         </p:nvSpPr>
         <p:spPr>
           <a:xfrm>
-            <a:off x="1099374" y="8378008"/>
-            <a:ext cx="28076463" cy="9941183"/>
+            <a:off x="1061910" y="8378008"/>
+            <a:ext cx="28113927" cy="9941183"/>
           </a:xfrm>
           <a:prstGeom prst="rect">
             <a:avLst/>
@@ -3342,15 +3402,22 @@
           </a:bodyPr>
           <a:lstStyle/>
           <a:p>
+            <a:pPr marL="1371600" indent="-1371600">
+              <a:buAutoNum type="arabicPeriod"/>
+            </a:pPr>
+            <a:r>
+              <a:rPr kumimoji="1" lang="en-US" altLang="ja-JP" sz="8000" dirty="0" smtClean="0"/>
+              <a:t>Introduction</a:t>
+            </a:r>
+          </a:p>
+          <a:p>
+            <a:r>
+              <a:rPr kumimoji="1" lang="en-US" altLang="ja-JP" sz="8000" dirty="0" smtClean="0"/>
+              <a:t>In </a:t>
+            </a:r>
             <a:r>
               <a:rPr kumimoji="1" lang="en-US" altLang="ja-JP" sz="8000" dirty="0"/>
-              <a:t>1. Abstract</a:t>
-            </a:r>
-          </a:p>
-          <a:p>
-            <a:r>
-              <a:rPr kumimoji="1" lang="en-US" altLang="ja-JP" sz="8000" dirty="0"/>
-              <a:t>In this study, a building which was destroyed by the Kumamoto 	Earthquake was recreated from designs using 3Dmodels.  </a:t>
+              <a:t>this study, a building which was destroyed by the Kumamoto 	Earthquake was recreated from designs using 3Dmodels.  </a:t>
             </a:r>
           </a:p>
           <a:p>
@@ -3382,7 +3449,7 @@
           <a:p>
             <a:r>
               <a:rPr kumimoji="1" lang="en-US" altLang="ja-JP" sz="8000" dirty="0"/>
-              <a:t>"https://github.com/mirachan010/</a:t>
+              <a:t>"https://github.com/D2IT2017/</a:t>
             </a:r>
             <a:r>
               <a:rPr kumimoji="1" lang="en-US" altLang="ja-JP" sz="8000" dirty="0" err="1"/>
@@ -3392,15 +3459,16 @@
               <a:rPr kumimoji="1" lang="en-US" altLang="ja-JP" sz="8000" dirty="0"/>
               <a:t>" </a:t>
             </a:r>
-          </a:p>
-        </p:txBody>
-      </p:sp>
-      <p:sp>
-        <p:nvSpPr>
-          <p:cNvPr id="7" name="正方形/長方形 6">
+            <a:endParaRPr kumimoji="1" lang="en-US" altLang="ja-JP" sz="8000" dirty="0"/>
+          </a:p>
+        </p:txBody>
+      </p:sp>
+      <p:sp>
+        <p:nvSpPr>
+          <p:cNvPr id="8" name="正方形/長方形 7">
             <a:extLst>
               <a:ext uri="{FF2B5EF4-FFF2-40B4-BE49-F238E27FC236}">
-                <a16:creationId xmlns:a16="http://schemas.microsoft.com/office/drawing/2014/main" id="{1A03EC14-CE81-4FB1-86D6-9C4FEA88494E}"/>
+                <a16:creationId xmlns:a16="http://schemas.microsoft.com/office/drawing/2014/main" id="{B5F2116F-0C92-43CF-B68D-CADC71CE7B85}"/>
               </a:ext>
             </a:extLst>
           </p:cNvPr>
@@ -3409,8 +3477,8 @@
         </p:nvSpPr>
         <p:spPr>
           <a:xfrm>
-            <a:off x="1099374" y="18667583"/>
-            <a:ext cx="28079700" cy="3166189"/>
+            <a:off x="1061910" y="18552511"/>
+            <a:ext cx="14039850" cy="10044685"/>
           </a:xfrm>
           <a:prstGeom prst="rect">
             <a:avLst/>
@@ -3448,7 +3516,23 @@
                   <a:schemeClr val="tx1"/>
                 </a:solidFill>
               </a:rPr>
-              <a:t>2. Purpose</a:t>
+              <a:t>2</a:t>
+            </a:r>
+            <a:r>
+              <a:rPr kumimoji="1" lang="en-US" altLang="ja-JP" sz="8000" dirty="0" smtClean="0">
+                <a:solidFill>
+                  <a:schemeClr val="tx1"/>
+                </a:solidFill>
+              </a:rPr>
+              <a:t>. </a:t>
+            </a:r>
+            <a:r>
+              <a:rPr kumimoji="1" lang="en-US" altLang="ja-JP" sz="8000" dirty="0">
+                <a:solidFill>
+                  <a:schemeClr val="tx1"/>
+                </a:solidFill>
+              </a:rPr>
+              <a:t>Preparation</a:t>
             </a:r>
           </a:p>
           <a:p>
@@ -3458,27 +3542,209 @@
                   <a:schemeClr val="tx1"/>
                 </a:solidFill>
               </a:rPr>
-              <a:t>We recreated a building which was destroyed by the Kumamoto Earthquake using 3Dmodels to keep records.</a:t>
-            </a:r>
-          </a:p>
-        </p:txBody>
-      </p:sp>
-      <p:sp>
-        <p:nvSpPr>
-          <p:cNvPr id="8" name="正方形/長方形 7">
+              <a:t>Equipment used</a:t>
+            </a:r>
+            <a:r>
+              <a:rPr kumimoji="1" lang="en-US" altLang="ja-JP" sz="6600" dirty="0" smtClean="0">
+                <a:solidFill>
+                  <a:schemeClr val="tx1"/>
+                </a:solidFill>
+              </a:rPr>
+              <a:t>:</a:t>
+            </a:r>
+          </a:p>
+          <a:p>
+            <a:pPr marL="857250" indent="-857250">
+              <a:buFont typeface="Arial" panose="020B0604020202020204" pitchFamily="34" charset="0"/>
+              <a:buChar char="•"/>
+            </a:pPr>
+            <a:r>
+              <a:rPr kumimoji="1" lang="en-US" altLang="ja-JP" sz="6600" dirty="0" err="1" smtClean="0">
+                <a:solidFill>
+                  <a:schemeClr val="tx1"/>
+                </a:solidFill>
+              </a:rPr>
+              <a:t>Daini</a:t>
+            </a:r>
+            <a:r>
+              <a:rPr kumimoji="1" lang="en-US" altLang="ja-JP" sz="6600" dirty="0" smtClean="0">
+                <a:solidFill>
+                  <a:schemeClr val="tx1"/>
+                </a:solidFill>
+              </a:rPr>
+              <a:t> </a:t>
+            </a:r>
+            <a:r>
+              <a:rPr kumimoji="1" lang="en-US" altLang="ja-JP" sz="6600" dirty="0">
+                <a:solidFill>
+                  <a:schemeClr val="tx1"/>
+                </a:solidFill>
+              </a:rPr>
+              <a:t>High School </a:t>
+            </a:r>
+            <a:r>
+              <a:rPr kumimoji="1" lang="en-US" altLang="ja-JP" sz="6600" dirty="0" smtClean="0">
+                <a:solidFill>
+                  <a:schemeClr val="tx1"/>
+                </a:solidFill>
+              </a:rPr>
+              <a:t>floorplan</a:t>
+            </a:r>
+          </a:p>
+          <a:p>
+            <a:pPr marL="857250" indent="-857250">
+              <a:buFont typeface="Arial" panose="020B0604020202020204" pitchFamily="34" charset="0"/>
+              <a:buChar char="•"/>
+            </a:pPr>
+            <a:r>
+              <a:rPr kumimoji="1" lang="en-US" altLang="ja-JP" sz="6600" dirty="0" smtClean="0">
+                <a:solidFill>
+                  <a:schemeClr val="tx1"/>
+                </a:solidFill>
+              </a:rPr>
+              <a:t>Ruler</a:t>
+            </a:r>
+          </a:p>
+          <a:p>
+            <a:pPr marL="857250" indent="-857250">
+              <a:buFont typeface="Arial" panose="020B0604020202020204" pitchFamily="34" charset="0"/>
+              <a:buChar char="•"/>
+            </a:pPr>
+            <a:r>
+              <a:rPr kumimoji="1" lang="en-US" altLang="ja-JP" sz="6600" dirty="0" err="1" smtClean="0">
+                <a:solidFill>
+                  <a:schemeClr val="tx1"/>
+                </a:solidFill>
+              </a:rPr>
+              <a:t>SketchUp</a:t>
+            </a:r>
+            <a:endParaRPr kumimoji="1" lang="en-US" altLang="ja-JP" sz="6600" dirty="0">
+              <a:solidFill>
+                <a:schemeClr val="tx1"/>
+              </a:solidFill>
+            </a:endParaRPr>
+          </a:p>
+          <a:p>
+            <a:endParaRPr kumimoji="1" lang="en-US" altLang="ja-JP" sz="6600" dirty="0">
+              <a:solidFill>
+                <a:schemeClr val="tx1"/>
+              </a:solidFill>
+            </a:endParaRPr>
+          </a:p>
+          <a:p>
+            <a:r>
+              <a:rPr kumimoji="1" lang="ja-JP" altLang="en-US" sz="6600" dirty="0">
+                <a:solidFill>
+                  <a:schemeClr val="tx1"/>
+                </a:solidFill>
+              </a:rPr>
+              <a:t>～</a:t>
+            </a:r>
+            <a:r>
+              <a:rPr kumimoji="1" lang="en-US" altLang="ja-JP" sz="6600" dirty="0">
+                <a:solidFill>
+                  <a:schemeClr val="tx1"/>
+                </a:solidFill>
+              </a:rPr>
+              <a:t>What is SketchUp</a:t>
+            </a:r>
+            <a:r>
+              <a:rPr kumimoji="1" lang="ja-JP" altLang="en-US" sz="6600" dirty="0">
+                <a:solidFill>
+                  <a:schemeClr val="tx1"/>
+                </a:solidFill>
+              </a:rPr>
+              <a:t>～</a:t>
+            </a:r>
+            <a:endParaRPr kumimoji="1" lang="en-US" altLang="ja-JP" sz="6600" dirty="0">
+              <a:solidFill>
+                <a:schemeClr val="tx1"/>
+              </a:solidFill>
+            </a:endParaRPr>
+          </a:p>
+          <a:p>
+            <a:r>
+              <a:rPr kumimoji="1" lang="en-US" altLang="ja-JP" sz="6600" dirty="0">
+                <a:solidFill>
+                  <a:schemeClr val="tx1"/>
+                </a:solidFill>
+              </a:rPr>
+              <a:t>It is a 3D model creation software. It is relatively easy to pull a straight line and raise the plane to 3D.</a:t>
+            </a:r>
+          </a:p>
+        </p:txBody>
+      </p:sp>
+      <p:sp>
+        <p:nvSpPr>
+          <p:cNvPr id="28" name="テキスト ボックス 27">
             <a:extLst>
               <a:ext uri="{FF2B5EF4-FFF2-40B4-BE49-F238E27FC236}">
-                <a16:creationId xmlns:a16="http://schemas.microsoft.com/office/drawing/2014/main" id="{B5F2116F-0C92-43CF-B68D-CADC71CE7B85}"/>
+                <a16:creationId xmlns:a16="http://schemas.microsoft.com/office/drawing/2014/main" id="{70D05210-42C2-46D9-881A-155206ED01BB}"/>
               </a:ext>
             </a:extLst>
           </p:cNvPr>
+          <p:cNvSpPr txBox="1"/>
+          <p:nvPr/>
+        </p:nvSpPr>
+        <p:spPr>
+          <a:xfrm>
+            <a:off x="1097756" y="28986466"/>
+            <a:ext cx="28078082" cy="4370427"/>
+          </a:xfrm>
+          <a:prstGeom prst="rect">
+            <a:avLst/>
+          </a:prstGeom>
+          <a:noFill/>
+          <a:ln>
+            <a:solidFill>
+              <a:schemeClr val="tx1"/>
+            </a:solidFill>
+          </a:ln>
+        </p:spPr>
+        <p:txBody>
+          <a:bodyPr wrap="square" rtlCol="0">
+            <a:spAutoFit/>
+          </a:bodyPr>
+          <a:lstStyle/>
+          <a:p>
+            <a:r>
+              <a:rPr kumimoji="1" lang="en-US" altLang="ja-JP" sz="8000" dirty="0"/>
+              <a:t>3</a:t>
+            </a:r>
+            <a:r>
+              <a:rPr kumimoji="1" lang="en-US" altLang="ja-JP" sz="8000" dirty="0" smtClean="0"/>
+              <a:t>. </a:t>
+            </a:r>
+            <a:r>
+              <a:rPr kumimoji="1" lang="en-US" altLang="ja-JP" sz="8000" dirty="0"/>
+              <a:t>Production</a:t>
+            </a:r>
+          </a:p>
+          <a:p>
+            <a:r>
+              <a:rPr kumimoji="1" lang="en-US" altLang="ja-JP" sz="6600" dirty="0"/>
+              <a:t>A 3D model based on the floor plan was created.</a:t>
+            </a:r>
+          </a:p>
+          <a:p>
+            <a:r>
+              <a:rPr kumimoji="1" lang="en-US" altLang="ja-JP" sz="6600" dirty="0"/>
+              <a:t>However, since the sizes of the windows were unknown, we measured them in another school building created at the same time and created windows.</a:t>
+            </a:r>
+            <a:endParaRPr kumimoji="1" lang="ja-JP" altLang="en-US" sz="6600" dirty="0"/>
+          </a:p>
+        </p:txBody>
+      </p:sp>
+      <p:sp>
+        <p:nvSpPr>
+          <p:cNvPr id="13" name="正方形/長方形 12"/>
           <p:cNvSpPr/>
           <p:nvPr/>
         </p:nvSpPr>
         <p:spPr>
           <a:xfrm>
-            <a:off x="1061911" y="22121688"/>
-            <a:ext cx="14039850" cy="9163226"/>
+            <a:off x="1061911" y="36337425"/>
+            <a:ext cx="14039849" cy="5541520"/>
           </a:xfrm>
           <a:prstGeom prst="rect">
             <a:avLst/>
@@ -3510,198 +3776,6 @@
           <a:bodyPr rtlCol="0" anchor="ctr"/>
           <a:lstStyle/>
           <a:p>
-            <a:r>
-              <a:rPr kumimoji="1" lang="en-US" altLang="ja-JP" sz="8000" dirty="0">
-                <a:solidFill>
-                  <a:schemeClr val="tx1"/>
-                </a:solidFill>
-              </a:rPr>
-              <a:t>3. Preparation</a:t>
-            </a:r>
-          </a:p>
-          <a:p>
-            <a:r>
-              <a:rPr kumimoji="1" lang="en-US" altLang="ja-JP" sz="6600" dirty="0">
-                <a:solidFill>
-                  <a:schemeClr val="tx1"/>
-                </a:solidFill>
-              </a:rPr>
-              <a:t>Equipment </a:t>
-            </a:r>
-            <a:r>
-              <a:rPr kumimoji="1" lang="en-US" altLang="ja-JP" sz="6600" dirty="0" err="1">
-                <a:solidFill>
-                  <a:schemeClr val="tx1"/>
-                </a:solidFill>
-              </a:rPr>
-              <a:t>used:Daini</a:t>
-            </a:r>
-            <a:r>
-              <a:rPr kumimoji="1" lang="en-US" altLang="ja-JP" sz="6600" dirty="0">
-                <a:solidFill>
-                  <a:schemeClr val="tx1"/>
-                </a:solidFill>
-              </a:rPr>
-              <a:t> High School floor </a:t>
-            </a:r>
-            <a:r>
-              <a:rPr kumimoji="1" lang="en-US" altLang="ja-JP" sz="6600" dirty="0" err="1">
-                <a:solidFill>
-                  <a:schemeClr val="tx1"/>
-                </a:solidFill>
-              </a:rPr>
-              <a:t>plan,ruler,SketchUp</a:t>
-            </a:r>
-            <a:endParaRPr kumimoji="1" lang="en-US" altLang="ja-JP" sz="6600" dirty="0">
-              <a:solidFill>
-                <a:schemeClr val="tx1"/>
-              </a:solidFill>
-            </a:endParaRPr>
-          </a:p>
-          <a:p>
-            <a:endParaRPr kumimoji="1" lang="en-US" altLang="ja-JP" sz="6600" dirty="0">
-              <a:solidFill>
-                <a:schemeClr val="tx1"/>
-              </a:solidFill>
-            </a:endParaRPr>
-          </a:p>
-          <a:p>
-            <a:r>
-              <a:rPr kumimoji="1" lang="ja-JP" altLang="en-US" sz="6600" dirty="0">
-                <a:solidFill>
-                  <a:schemeClr val="tx1"/>
-                </a:solidFill>
-              </a:rPr>
-              <a:t>～</a:t>
-            </a:r>
-            <a:r>
-              <a:rPr kumimoji="1" lang="en-US" altLang="ja-JP" sz="6600" dirty="0">
-                <a:solidFill>
-                  <a:schemeClr val="tx1"/>
-                </a:solidFill>
-              </a:rPr>
-              <a:t>What is SketchUp</a:t>
-            </a:r>
-            <a:r>
-              <a:rPr kumimoji="1" lang="ja-JP" altLang="en-US" sz="6600" dirty="0">
-                <a:solidFill>
-                  <a:schemeClr val="tx1"/>
-                </a:solidFill>
-              </a:rPr>
-              <a:t>～</a:t>
-            </a:r>
-            <a:endParaRPr kumimoji="1" lang="en-US" altLang="ja-JP" sz="6600" dirty="0">
-              <a:solidFill>
-                <a:schemeClr val="tx1"/>
-              </a:solidFill>
-            </a:endParaRPr>
-          </a:p>
-          <a:p>
-            <a:r>
-              <a:rPr kumimoji="1" lang="en-US" altLang="ja-JP" sz="6600" dirty="0">
-                <a:solidFill>
-                  <a:schemeClr val="tx1"/>
-                </a:solidFill>
-              </a:rPr>
-              <a:t>It is a 3D model creation software. It is relatively easy to pull a straight line and raise the plane to 3D.</a:t>
-            </a:r>
-          </a:p>
-        </p:txBody>
-      </p:sp>
-      <p:sp>
-        <p:nvSpPr>
-          <p:cNvPr id="28" name="テキスト ボックス 27">
-            <a:extLst>
-              <a:ext uri="{FF2B5EF4-FFF2-40B4-BE49-F238E27FC236}">
-                <a16:creationId xmlns:a16="http://schemas.microsoft.com/office/drawing/2014/main" id="{70D05210-42C2-46D9-881A-155206ED01BB}"/>
-              </a:ext>
-            </a:extLst>
-          </p:cNvPr>
-          <p:cNvSpPr txBox="1"/>
-          <p:nvPr/>
-        </p:nvSpPr>
-        <p:spPr>
-          <a:xfrm>
-            <a:off x="1099374" y="31733678"/>
-            <a:ext cx="28076464" cy="4370427"/>
-          </a:xfrm>
-          <a:prstGeom prst="rect">
-            <a:avLst/>
-          </a:prstGeom>
-          <a:noFill/>
-          <a:ln>
-            <a:solidFill>
-              <a:schemeClr val="tx1"/>
-            </a:solidFill>
-          </a:ln>
-        </p:spPr>
-        <p:txBody>
-          <a:bodyPr wrap="square" rtlCol="0">
-            <a:spAutoFit/>
-          </a:bodyPr>
-          <a:lstStyle/>
-          <a:p>
-            <a:r>
-              <a:rPr kumimoji="1" lang="en-US" altLang="ja-JP" sz="8000" dirty="0"/>
-              <a:t>4. Production</a:t>
-            </a:r>
-          </a:p>
-          <a:p>
-            <a:r>
-              <a:rPr kumimoji="1" lang="en-US" altLang="ja-JP" sz="6600" dirty="0"/>
-              <a:t>A 3D model based on the floor plan was created.</a:t>
-            </a:r>
-          </a:p>
-          <a:p>
-            <a:r>
-              <a:rPr kumimoji="1" lang="en-US" altLang="ja-JP" sz="6600" dirty="0"/>
-              <a:t>However, since the sizes of the windows were unknown, we measured them in another school building created at the same time and created windows.</a:t>
-            </a:r>
-            <a:endParaRPr kumimoji="1" lang="ja-JP" altLang="en-US" sz="6600" dirty="0"/>
-          </a:p>
-        </p:txBody>
-      </p:sp>
-      <p:sp>
-        <p:nvSpPr>
-          <p:cNvPr id="13" name="正方形/長方形 12"/>
-          <p:cNvSpPr/>
-          <p:nvPr/>
-        </p:nvSpPr>
-        <p:spPr>
-          <a:xfrm>
-            <a:off x="1097755" y="36337425"/>
-            <a:ext cx="14039850" cy="5541520"/>
-          </a:xfrm>
-          <a:prstGeom prst="rect">
-            <a:avLst/>
-          </a:prstGeom>
-          <a:noFill/>
-          <a:ln w="9525">
-            <a:solidFill>
-              <a:schemeClr val="tx1"/>
-            </a:solidFill>
-          </a:ln>
-        </p:spPr>
-        <p:style>
-          <a:lnRef idx="2">
-            <a:schemeClr val="accent1">
-              <a:shade val="50000"/>
-            </a:schemeClr>
-          </a:lnRef>
-          <a:fillRef idx="1">
-            <a:schemeClr val="accent1"/>
-          </a:fillRef>
-          <a:effectRef idx="0">
-            <a:schemeClr val="accent1"/>
-          </a:effectRef>
-          <a:fontRef idx="minor">
-            <a:schemeClr val="lt1"/>
-          </a:fontRef>
-        </p:style>
-        <p:txBody>
-          <a:bodyPr rtlCol="0" anchor="ctr"/>
-          <a:lstStyle/>
-          <a:p>
             <a:pPr algn="ctr"/>
             <a:endParaRPr kumimoji="1" lang="en-US" altLang="ja-JP" sz="5400" dirty="0">
               <a:solidFill>
@@ -3712,12 +3786,119 @@
           <a:p>
             <a:pPr algn="ctr"/>
             <a:r>
+              <a:rPr kumimoji="1" lang="ja-JP" altLang="en-US" sz="5400" dirty="0" smtClean="0">
+                <a:solidFill>
+                  <a:schemeClr val="tx1"/>
+                </a:solidFill>
+              </a:rPr>
+              <a:t>・</a:t>
+            </a:r>
+            <a:r>
+              <a:rPr kumimoji="1" lang="en-US" altLang="ja-JP" sz="5400" dirty="0" err="1">
+                <a:solidFill>
+                  <a:schemeClr val="tx1"/>
+                </a:solidFill>
+              </a:rPr>
+              <a:t>Daini</a:t>
+            </a:r>
+            <a:r>
+              <a:rPr kumimoji="1" lang="en-US" altLang="ja-JP" sz="5400" dirty="0">
+                <a:solidFill>
+                  <a:schemeClr val="tx1"/>
+                </a:solidFill>
+              </a:rPr>
+              <a:t> High School floorplan</a:t>
+            </a:r>
+          </a:p>
+          <a:p>
+            <a:pPr algn="ctr"/>
+            <a:r>
+              <a:rPr kumimoji="1" lang="ja-JP" altLang="en-US" sz="5400" dirty="0" smtClean="0">
+                <a:solidFill>
+                  <a:schemeClr val="tx1"/>
+                </a:solidFill>
+              </a:rPr>
+              <a:t>・</a:t>
+            </a:r>
+            <a:r>
+              <a:rPr kumimoji="1" lang="en-US" altLang="ja-JP" sz="5400" dirty="0" err="1" smtClean="0">
+                <a:solidFill>
+                  <a:schemeClr val="tx1"/>
+                </a:solidFill>
+              </a:rPr>
+              <a:t>Douga</a:t>
+            </a:r>
+            <a:r>
+              <a:rPr kumimoji="1" lang="en-US" altLang="ja-JP" sz="5400" dirty="0" smtClean="0">
+                <a:solidFill>
+                  <a:schemeClr val="tx1"/>
+                </a:solidFill>
+              </a:rPr>
+              <a:t> de </a:t>
+            </a:r>
+            <a:r>
+              <a:rPr kumimoji="1" lang="en-US" altLang="ja-JP" sz="5400" dirty="0" err="1" smtClean="0">
+                <a:solidFill>
+                  <a:schemeClr val="tx1"/>
+                </a:solidFill>
+              </a:rPr>
+              <a:t>wakaru</a:t>
+            </a:r>
+            <a:r>
+              <a:rPr kumimoji="1" lang="en-US" altLang="ja-JP" sz="5400" dirty="0" smtClean="0">
+                <a:solidFill>
+                  <a:schemeClr val="tx1"/>
+                </a:solidFill>
+              </a:rPr>
+              <a:t> </a:t>
+            </a:r>
+            <a:r>
+              <a:rPr kumimoji="1" lang="en-US" altLang="ja-JP" sz="5400" dirty="0" err="1" smtClean="0">
+                <a:solidFill>
+                  <a:schemeClr val="tx1"/>
+                </a:solidFill>
+              </a:rPr>
+              <a:t>SketchUp</a:t>
+            </a:r>
+            <a:r>
+              <a:rPr kumimoji="1" lang="en-US" altLang="ja-JP" sz="5400" dirty="0" smtClean="0">
+                <a:solidFill>
+                  <a:schemeClr val="tx1"/>
+                </a:solidFill>
+              </a:rPr>
+              <a:t> </a:t>
+            </a:r>
+            <a:r>
+              <a:rPr kumimoji="1" lang="en-US" altLang="ja-JP" sz="5400" dirty="0" err="1" smtClean="0">
+                <a:solidFill>
+                  <a:schemeClr val="tx1"/>
+                </a:solidFill>
+              </a:rPr>
+              <a:t>saikyou</a:t>
+            </a:r>
+            <a:r>
+              <a:rPr kumimoji="1" lang="en-US" altLang="ja-JP" sz="5400" dirty="0" smtClean="0">
+                <a:solidFill>
+                  <a:schemeClr val="tx1"/>
+                </a:solidFill>
+              </a:rPr>
+              <a:t> </a:t>
+            </a:r>
+            <a:r>
+              <a:rPr kumimoji="1" lang="en-US" altLang="ja-JP" sz="5400" dirty="0" err="1" smtClean="0">
+                <a:solidFill>
+                  <a:schemeClr val="tx1"/>
+                </a:solidFill>
+              </a:rPr>
+              <a:t>baiburu</a:t>
+            </a:r>
+            <a:r>
               <a:rPr kumimoji="1" lang="ja-JP" altLang="en-US" sz="5400" dirty="0">
                 <a:solidFill>
                   <a:schemeClr val="tx1"/>
                 </a:solidFill>
               </a:rPr>
-              <a:t>・第二高校設計図</a:t>
+              <a:t>　</a:t>
             </a:r>
             <a:endParaRPr kumimoji="1" lang="en-US" altLang="ja-JP" sz="5400" dirty="0">
               <a:solidFill>
@@ -3728,12 +3909,20 @@
           <a:p>
             <a:pPr algn="ctr"/>
             <a:r>
-              <a:rPr kumimoji="1" lang="ja-JP" altLang="en-US" sz="5400" dirty="0">
+              <a:rPr kumimoji="1" lang="en-US" altLang="ja-JP" sz="5400" dirty="0">
                 <a:solidFill>
                   <a:schemeClr val="tx1"/>
                 </a:solidFill>
               </a:rPr>
-              <a:t>・動画でわかる</a:t>
+              <a:t>Author: Masahiko </a:t>
+            </a:r>
+            <a:r>
+              <a:rPr kumimoji="1" lang="en-US" altLang="ja-JP" sz="5400" dirty="0" err="1">
+                <a:solidFill>
+                  <a:schemeClr val="tx1"/>
+                </a:solidFill>
+              </a:rPr>
+              <a:t>Satou</a:t>
             </a:r>
             <a:r>
               <a:rPr kumimoji="1" lang="en-US" altLang="ja-JP" sz="5400" dirty="0">
@@ -3741,17 +3930,9 @@
                   <a:schemeClr val="tx1"/>
                 </a:solidFill>
               </a:rPr>
-              <a:t>SketchUp</a:t>
-            </a:r>
-            <a:r>
-              <a:rPr kumimoji="1" lang="ja-JP" altLang="en-US" sz="5400" dirty="0">
-                <a:solidFill>
-                  <a:schemeClr val="tx1"/>
-                </a:solidFill>
-              </a:rPr>
-              <a:t>最強バイブル　</a:t>
-            </a:r>
-            <a:endParaRPr kumimoji="1" lang="en-US" altLang="ja-JP" sz="5400" dirty="0">
+              <a:t> </a:t>
+            </a:r>
+            <a:endParaRPr kumimoji="1" lang="en-US" altLang="ja-JP" sz="5400" dirty="0" smtClean="0">
               <a:solidFill>
                 <a:schemeClr val="tx1"/>
               </a:solidFill>
@@ -3760,36 +3941,12 @@
           <a:p>
             <a:pPr algn="ctr"/>
             <a:r>
-              <a:rPr kumimoji="1" lang="en-US" altLang="ja-JP" sz="5400" dirty="0">
+              <a:rPr kumimoji="1" lang="en-US" altLang="ja-JP" sz="5400" dirty="0" err="1">
                 <a:solidFill>
                   <a:schemeClr val="tx1"/>
                 </a:solidFill>
               </a:rPr>
-              <a:t>Author:</a:t>
-            </a:r>
-            <a:r>
-              <a:rPr kumimoji="1" lang="ja-JP" altLang="en-US" sz="5400" dirty="0">
-                <a:solidFill>
-                  <a:schemeClr val="tx1"/>
-                </a:solidFill>
-              </a:rPr>
-              <a:t>佐藤正彦 </a:t>
-            </a:r>
-            <a:r>
-              <a:rPr kumimoji="1" lang="en-US" altLang="ja-JP" sz="5400" dirty="0">
-                <a:solidFill>
-                  <a:schemeClr val="tx1"/>
-                </a:solidFill>
-              </a:rPr>
-              <a:t>Publication:</a:t>
-            </a:r>
-            <a:r>
-              <a:rPr kumimoji="1" lang="ja-JP" altLang="en-US" sz="5400" dirty="0">
-                <a:solidFill>
-                  <a:schemeClr val="tx1"/>
-                </a:solidFill>
-              </a:rPr>
-              <a:t>エクスナレッジ</a:t>
+              <a:t>Publication:X-Knowledge</a:t>
             </a:r>
             <a:endParaRPr kumimoji="1" lang="en-US" altLang="ja-JP" sz="5400" dirty="0">
               <a:solidFill>
@@ -3858,15 +4015,34 @@
                   <a:schemeClr val="tx1"/>
                 </a:solidFill>
               </a:rPr>
-              <a:t>Thank you very much to “</a:t>
-            </a:r>
-            <a:r>
-              <a:rPr kumimoji="1" lang="en-US" altLang="ja-JP" sz="6600" dirty="0" err="1">
+              <a:t>Thank you very </a:t>
+            </a:r>
+            <a:r>
+              <a:rPr kumimoji="1" lang="en-US" altLang="ja-JP" sz="6600" dirty="0" smtClean="0">
                 <a:solidFill>
                   <a:schemeClr val="tx1"/>
                 </a:solidFill>
               </a:rPr>
-              <a:t>Mr.Shinokura”and</a:t>
+              <a:t>much to </a:t>
+            </a:r>
+          </a:p>
+          <a:p>
+            <a:pPr algn="ctr"/>
+            <a:r>
+              <a:rPr kumimoji="1" lang="en-US" altLang="ja-JP" sz="6600" dirty="0" err="1" smtClean="0">
+                <a:solidFill>
+                  <a:schemeClr val="tx1"/>
+                </a:solidFill>
+              </a:rPr>
+              <a:t>Mr.Shinokura</a:t>
+            </a:r>
+            <a:r>
+              <a:rPr kumimoji="1" lang="en-US" altLang="ja-JP" sz="6600" dirty="0" smtClean="0">
+                <a:solidFill>
+                  <a:schemeClr val="tx1"/>
+                </a:solidFill>
+              </a:rPr>
+              <a:t> and</a:t>
             </a:r>
             <a:endParaRPr kumimoji="1" lang="en-US" altLang="ja-JP" sz="6600" dirty="0">
               <a:solidFill>
@@ -3877,20 +4053,28 @@
           <a:p>
             <a:pPr algn="ctr"/>
             <a:r>
+              <a:rPr kumimoji="1" lang="en-US" altLang="ja-JP" sz="6600" dirty="0" err="1">
+                <a:solidFill>
+                  <a:schemeClr val="tx1"/>
+                </a:solidFill>
+              </a:rPr>
+              <a:t>Daini</a:t>
+            </a:r>
+            <a:r>
               <a:rPr kumimoji="1" lang="en-US" altLang="ja-JP" sz="6600" dirty="0">
                 <a:solidFill>
                   <a:schemeClr val="tx1"/>
                 </a:solidFill>
               </a:rPr>
-              <a:t>“</a:t>
-            </a:r>
-            <a:r>
-              <a:rPr kumimoji="1" lang="ja-JP" altLang="en-US" sz="6600" dirty="0">
+              <a:t> High </a:t>
+            </a:r>
+            <a:r>
+              <a:rPr kumimoji="1" lang="en-US" altLang="ja-JP" sz="6600" dirty="0" smtClean="0">
                 <a:solidFill>
                   <a:schemeClr val="tx1"/>
                 </a:solidFill>
               </a:rPr>
-              <a:t>第二高校コンピュータ同好会</a:t>
+              <a:t>School </a:t>
             </a:r>
             <a:r>
               <a:rPr kumimoji="1" lang="en-US" altLang="ja-JP" sz="6600" dirty="0">
@@ -3898,10 +4082,45 @@
                   <a:schemeClr val="tx1"/>
                 </a:solidFill>
               </a:rPr>
-              <a:t>”for</a:t>
-            </a:r>
-            <a:r>
-              <a:rPr kumimoji="1" lang="ja-JP" altLang="en-US" sz="6600" dirty="0">
+              <a:t>C</a:t>
+            </a:r>
+            <a:r>
+              <a:rPr kumimoji="1" lang="en-US" altLang="ja-JP" sz="6600" dirty="0" smtClean="0">
+                <a:solidFill>
+                  <a:schemeClr val="tx1"/>
+                </a:solidFill>
+              </a:rPr>
+              <a:t>omputer </a:t>
+            </a:r>
+            <a:r>
+              <a:rPr kumimoji="1" lang="en-US" altLang="ja-JP" sz="6600" dirty="0">
+                <a:solidFill>
+                  <a:schemeClr val="tx1"/>
+                </a:solidFill>
+              </a:rPr>
+              <a:t>C</a:t>
+            </a:r>
+            <a:r>
+              <a:rPr kumimoji="1" lang="en-US" altLang="ja-JP" sz="6600" dirty="0" smtClean="0">
+                <a:solidFill>
+                  <a:schemeClr val="tx1"/>
+                </a:solidFill>
+              </a:rPr>
+              <a:t>lub </a:t>
+            </a:r>
+          </a:p>
+          <a:p>
+            <a:pPr algn="ctr"/>
+            <a:r>
+              <a:rPr kumimoji="1" lang="en-US" altLang="ja-JP" sz="6600" dirty="0" smtClean="0">
+                <a:solidFill>
+                  <a:schemeClr val="tx1"/>
+                </a:solidFill>
+              </a:rPr>
+              <a:t>for</a:t>
+            </a:r>
+            <a:r>
+              <a:rPr kumimoji="1" lang="ja-JP" altLang="en-US" sz="6600" dirty="0" smtClean="0">
                 <a:solidFill>
                   <a:schemeClr val="tx1"/>
                 </a:solidFill>
@@ -3933,8 +4152,8 @@
         </p:nvGrpSpPr>
         <p:grpSpPr>
           <a:xfrm>
-            <a:off x="16430975" y="23398960"/>
-            <a:ext cx="11890198" cy="7792937"/>
+            <a:off x="16430975" y="20033120"/>
+            <a:ext cx="11890198" cy="8491035"/>
             <a:chOff x="949442" y="12351033"/>
             <a:chExt cx="28751342" cy="19754461"/>
           </a:xfrm>
@@ -3954,7 +4173,7 @@
             <p:nvPr/>
           </p:nvPicPr>
           <p:blipFill>
-            <a:blip r:embed="rId2">
+            <a:blip r:embed="rId4">
               <a:extLst>
                 <a:ext uri="{28A0092B-C50C-407E-A947-70E740481C1C}">
                   <a14:useLocalDpi xmlns:a14="http://schemas.microsoft.com/office/drawing/2010/main" val="0"/>
@@ -3995,7 +4214,7 @@
             <p:nvPr/>
           </p:nvPicPr>
           <p:blipFill>
-            <a:blip r:embed="rId3">
+            <a:blip r:embed="rId5">
               <a:extLst>
                 <a:ext uri="{28A0092B-C50C-407E-A947-70E740481C1C}">
                   <a14:useLocalDpi xmlns:a14="http://schemas.microsoft.com/office/drawing/2010/main" val="0"/>
@@ -4036,7 +4255,7 @@
             <p:nvPr/>
           </p:nvPicPr>
           <p:blipFill>
-            <a:blip r:embed="rId4">
+            <a:blip r:embed="rId6">
               <a:extLst>
                 <a:ext uri="{28A0092B-C50C-407E-A947-70E740481C1C}">
                   <a14:useLocalDpi xmlns:a14="http://schemas.microsoft.com/office/drawing/2010/main" val="0"/>
@@ -4077,8 +4296,8 @@
         </p:nvSpPr>
         <p:spPr>
           <a:xfrm>
-            <a:off x="15579143" y="22121689"/>
-            <a:ext cx="13596694" cy="9163226"/>
+            <a:off x="15579143" y="18549916"/>
+            <a:ext cx="13596694" cy="10047280"/>
           </a:xfrm>
           <a:prstGeom prst="rect">
             <a:avLst/>
@@ -4129,7 +4348,7 @@
         </p:nvSpPr>
         <p:spPr>
           <a:xfrm>
-            <a:off x="18149227" y="22121688"/>
+            <a:off x="17892747" y="18587611"/>
             <a:ext cx="8969250" cy="2554545"/>
           </a:xfrm>
           <a:prstGeom prst="rect">
@@ -4217,7 +4436,7 @@
           <p:nvPr/>
         </p:nvPicPr>
         <p:blipFill>
-          <a:blip r:embed="rId5">
+          <a:blip r:embed="rId7">
             <a:extLst>
               <a:ext uri="{28A0092B-C50C-407E-A947-70E740481C1C}">
                 <a14:useLocalDpi xmlns:a14="http://schemas.microsoft.com/office/drawing/2010/main" val="0"/>
@@ -4281,36 +4500,6 @@
           </a:p>
         </p:txBody>
       </p:sp>
-      <p:pic>
-        <p:nvPicPr>
-          <p:cNvPr id="11" name="図 10">
-            <a:extLst>
-              <a:ext uri="{FF2B5EF4-FFF2-40B4-BE49-F238E27FC236}">
-                <a16:creationId xmlns:a16="http://schemas.microsoft.com/office/drawing/2014/main" id="{507E761B-24FD-4C7C-BC1D-61B838424ED4}"/>
-              </a:ext>
-            </a:extLst>
-          </p:cNvPr>
-          <p:cNvPicPr>
-            <a:picLocks noChangeAspect="1"/>
-          </p:cNvPicPr>
-          <p:nvPr/>
-        </p:nvPicPr>
-        <p:blipFill>
-          <a:blip r:embed="rId6"/>
-          <a:stretch>
-            <a:fillRect/>
-          </a:stretch>
-        </p:blipFill>
-        <p:spPr>
-          <a:xfrm>
-            <a:off x="1097755" y="657281"/>
-            <a:ext cx="28318398" cy="4799689"/>
-          </a:xfrm>
-          <a:prstGeom prst="rect">
-            <a:avLst/>
-          </a:prstGeom>
-        </p:spPr>
-      </p:pic>
       <p:sp>
         <p:nvSpPr>
           <p:cNvPr id="10" name="正方形/長方形 9"/>
@@ -4357,6 +4546,85 @@
           </a:p>
         </p:txBody>
       </p:sp>
+      <p:sp>
+        <p:nvSpPr>
+          <p:cNvPr id="5" name="テキスト ボックス 4"/>
+          <p:cNvSpPr txBox="1"/>
+          <p:nvPr/>
+        </p:nvSpPr>
+        <p:spPr>
+          <a:xfrm>
+            <a:off x="1097755" y="33569886"/>
+            <a:ext cx="28078082" cy="2431435"/>
+          </a:xfrm>
+          <a:prstGeom prst="rect">
+            <a:avLst/>
+          </a:prstGeom>
+        </p:spPr>
+        <p:style>
+          <a:lnRef idx="2">
+            <a:schemeClr val="dk1"/>
+          </a:lnRef>
+          <a:fillRef idx="1">
+            <a:schemeClr val="lt1"/>
+          </a:fillRef>
+          <a:effectRef idx="0">
+            <a:schemeClr val="dk1"/>
+          </a:effectRef>
+          <a:fontRef idx="minor">
+            <a:schemeClr val="dk1"/>
+          </a:fontRef>
+        </p:style>
+        <p:txBody>
+          <a:bodyPr wrap="square" rtlCol="0">
+            <a:spAutoFit/>
+          </a:bodyPr>
+          <a:lstStyle/>
+          <a:p>
+            <a:r>
+              <a:rPr kumimoji="1" lang="en-US" altLang="ja-JP" sz="8000" dirty="0" smtClean="0"/>
+              <a:t>5. Conclusion</a:t>
+            </a:r>
+          </a:p>
+          <a:p>
+            <a:r>
+              <a:rPr kumimoji="1" lang="en-US" altLang="ja-JP" sz="6600" dirty="0" smtClean="0"/>
+              <a:t>We did it!! Please look our website.</a:t>
+            </a:r>
+            <a:endParaRPr kumimoji="1" lang="ja-JP" altLang="en-US" sz="6600" dirty="0"/>
+          </a:p>
+        </p:txBody>
+      </p:sp>
+      <p:pic>
+        <p:nvPicPr>
+          <p:cNvPr id="12" name="図 11"/>
+          <p:cNvPicPr>
+            <a:picLocks noChangeAspect="1"/>
+          </p:cNvPicPr>
+          <p:nvPr/>
+        </p:nvPicPr>
+        <p:blipFill>
+          <a:blip r:embed="rId8">
+            <a:extLst>
+              <a:ext uri="{28A0092B-C50C-407E-A947-70E740481C1C}">
+                <a14:useLocalDpi xmlns:a14="http://schemas.microsoft.com/office/drawing/2010/main" val="0"/>
+              </a:ext>
+            </a:extLst>
+          </a:blip>
+          <a:stretch>
+            <a:fillRect/>
+          </a:stretch>
+        </p:blipFill>
+        <p:spPr>
+          <a:xfrm>
+            <a:off x="23329902" y="13547104"/>
+            <a:ext cx="4533582" cy="4533582"/>
+          </a:xfrm>
+          <a:prstGeom prst="rect">
+            <a:avLst/>
+          </a:prstGeom>
+        </p:spPr>
+      </p:pic>
     </p:spTree>
     <p:extLst>
       <p:ext uri="{BB962C8B-B14F-4D97-AF65-F5344CB8AC3E}">

--- a/poster.pptx
+++ b/poster.pptx
@@ -3459,7 +3459,6 @@
               <a:rPr kumimoji="1" lang="en-US" altLang="ja-JP" sz="8000" dirty="0"/>
               <a:t>" </a:t>
             </a:r>
-            <a:endParaRPr kumimoji="1" lang="en-US" altLang="ja-JP" sz="8000" dirty="0"/>
           </a:p>
         </p:txBody>
       </p:sp>
@@ -3885,12 +3884,12 @@
               <a:t> </a:t>
             </a:r>
             <a:r>
-              <a:rPr kumimoji="1" lang="en-US" altLang="ja-JP" sz="5400" dirty="0" err="1" smtClean="0">
+              <a:rPr kumimoji="1" lang="en-US" altLang="ja-JP" sz="5400" dirty="0" smtClean="0">
                 <a:solidFill>
                   <a:schemeClr val="tx1"/>
                 </a:solidFill>
               </a:rPr>
-              <a:t>baiburu</a:t>
+              <a:t>bible</a:t>
             </a:r>
             <a:r>
               <a:rPr kumimoji="1" lang="ja-JP" altLang="en-US" sz="5400" dirty="0">
@@ -4037,12 +4036,20 @@
               <a:t>Mr.Shinokura</a:t>
             </a:r>
             <a:r>
-              <a:rPr kumimoji="1" lang="en-US" altLang="ja-JP" sz="6600" dirty="0" smtClean="0">
+              <a:rPr kumimoji="1" lang="en-US" altLang="ja-JP" sz="6600" smtClean="0">
                 <a:solidFill>
                   <a:schemeClr val="tx1"/>
                 </a:solidFill>
               </a:rPr>
-              <a:t> and</a:t>
+              <a:t> </a:t>
+            </a:r>
+            <a:r>
+              <a:rPr kumimoji="1" lang="en-US" altLang="ja-JP" sz="6600" smtClean="0">
+                <a:solidFill>
+                  <a:schemeClr val="tx1"/>
+                </a:solidFill>
+              </a:rPr>
+              <a:t>and the</a:t>
             </a:r>
             <a:endParaRPr kumimoji="1" lang="en-US" altLang="ja-JP" sz="6600" dirty="0">
               <a:solidFill>
